--- a/docs/nitrox-analyzer.pptx
+++ b/docs/nitrox-analyzer.pptx
@@ -6,8 +6,16 @@
   </p:sldMasterIdLst>
   <p:sldIdLst>
     <p:sldId id="256" r:id="rId2"/>
-    <p:sldId id="257" r:id="rId3"/>
-    <p:sldId id="258" r:id="rId4"/>
+    <p:sldId id="261" r:id="rId3"/>
+    <p:sldId id="262" r:id="rId4"/>
+    <p:sldId id="260" r:id="rId5"/>
+    <p:sldId id="266" r:id="rId6"/>
+    <p:sldId id="259" r:id="rId7"/>
+    <p:sldId id="264" r:id="rId8"/>
+    <p:sldId id="265" r:id="rId9"/>
+    <p:sldId id="267" r:id="rId10"/>
+    <p:sldId id="263" r:id="rId11"/>
+    <p:sldId id="268" r:id="rId12"/>
   </p:sldIdLst>
   <p:sldSz cx="9144000" cy="6858000" type="screen4x3"/>
   <p:notesSz cx="6858000" cy="9144000"/>
@@ -3803,6 +3811,10 @@
           <a:lstStyle/>
           <a:p>
             <a:r>
+              <a:rPr lang="fr-CH" dirty="0" smtClean="0"/>
+              <a:t>DIY </a:t>
+            </a:r>
+            <a:r>
               <a:rPr lang="fr-CH" dirty="0" err="1" smtClean="0"/>
               <a:t>Nitrox</a:t>
             </a:r>
@@ -3870,6 +3882,260 @@
           <a:effectLst/>
         </p:spPr>
       </p:pic>
+    </p:spTree>
+  </p:cSld>
+  <p:clrMapOvr>
+    <a:masterClrMapping/>
+  </p:clrMapOvr>
+  <p:timing>
+    <p:tnLst>
+      <p:par>
+        <p:cTn id="1" dur="indefinite" restart="never" nodeType="tmRoot"/>
+      </p:par>
+    </p:tnLst>
+  </p:timing>
+</p:sld>
+</file>
+
+<file path=ppt/slides/slide10.xml><?xml version="1.0" encoding="utf-8"?>
+<p:sld xmlns:a="http://schemas.openxmlformats.org/drawingml/2006/main" xmlns:r="http://schemas.openxmlformats.org/officeDocument/2006/relationships" xmlns:p="http://schemas.openxmlformats.org/presentationml/2006/main">
+  <p:cSld>
+    <p:spTree>
+      <p:nvGrpSpPr>
+        <p:cNvPr id="1" name=""/>
+        <p:cNvGrpSpPr/>
+        <p:nvPr/>
+      </p:nvGrpSpPr>
+      <p:grpSpPr>
+        <a:xfrm>
+          <a:off x="0" y="0"/>
+          <a:ext cx="0" cy="0"/>
+          <a:chOff x="0" y="0"/>
+          <a:chExt cx="0" cy="0"/>
+        </a:xfrm>
+      </p:grpSpPr>
+      <p:pic>
+        <p:nvPicPr>
+          <p:cNvPr id="4" name="Image 3" descr="Open_Source_Initiative_keyhole.png"/>
+          <p:cNvPicPr>
+            <a:picLocks noChangeAspect="1"/>
+          </p:cNvPicPr>
+          <p:nvPr/>
+        </p:nvPicPr>
+        <p:blipFill>
+          <a:blip r:embed="rId2" cstate="print"/>
+          <a:stretch>
+            <a:fillRect/>
+          </a:stretch>
+        </p:blipFill>
+        <p:spPr>
+          <a:xfrm>
+            <a:off x="4355976" y="620688"/>
+            <a:ext cx="432048" cy="417929"/>
+          </a:xfrm>
+          <a:prstGeom prst="rect">
+            <a:avLst/>
+          </a:prstGeom>
+        </p:spPr>
+      </p:pic>
+      <p:sp>
+        <p:nvSpPr>
+          <p:cNvPr id="2" name="Titre 1"/>
+          <p:cNvSpPr>
+            <a:spLocks noGrp="1"/>
+          </p:cNvSpPr>
+          <p:nvPr>
+            <p:ph type="title"/>
+          </p:nvPr>
+        </p:nvSpPr>
+        <p:spPr/>
+        <p:txBody>
+          <a:bodyPr/>
+          <a:lstStyle/>
+          <a:p>
+            <a:r>
+              <a:rPr lang="fr-CH" dirty="0" err="1" smtClean="0"/>
+              <a:t>Because</a:t>
+            </a:r>
+            <a:r>
+              <a:rPr lang="fr-CH" dirty="0" smtClean="0"/>
+              <a:t> I </a:t>
+            </a:r>
+            <a:r>
+              <a:rPr lang="fr-CH" dirty="0" err="1" smtClean="0"/>
+              <a:t>belive</a:t>
+            </a:r>
+            <a:r>
+              <a:rPr lang="fr-CH" dirty="0" smtClean="0"/>
+              <a:t> in    </a:t>
+            </a:r>
+            <a:r>
+              <a:rPr lang="fr-CH" dirty="0" err="1" smtClean="0"/>
+              <a:t>pen</a:t>
+            </a:r>
+            <a:r>
+              <a:rPr lang="fr-CH" dirty="0" smtClean="0"/>
+              <a:t> Source </a:t>
+            </a:r>
+            <a:endParaRPr lang="fr-CH" dirty="0"/>
+          </a:p>
+        </p:txBody>
+      </p:sp>
+      <p:sp>
+        <p:nvSpPr>
+          <p:cNvPr id="3" name="Espace réservé du contenu 2"/>
+          <p:cNvSpPr>
+            <a:spLocks noGrp="1"/>
+          </p:cNvSpPr>
+          <p:nvPr>
+            <p:ph sz="quarter" idx="1"/>
+          </p:nvPr>
+        </p:nvSpPr>
+        <p:spPr/>
+        <p:txBody>
+          <a:bodyPr/>
+          <a:lstStyle/>
+          <a:p>
+            <a:r>
+              <a:rPr lang="en-GB" dirty="0" smtClean="0"/>
+              <a:t>All files, schemas, images, source codes are available and licensed under GNU GPL3 on </a:t>
+            </a:r>
+          </a:p>
+          <a:p>
+            <a:pPr>
+              <a:buNone/>
+            </a:pPr>
+            <a:endParaRPr lang="en-GB" dirty="0" smtClean="0">
+              <a:hlinkClick r:id="rId3"/>
+            </a:endParaRPr>
+          </a:p>
+          <a:p>
+            <a:pPr algn="ctr">
+              <a:buNone/>
+            </a:pPr>
+            <a:r>
+              <a:rPr lang="en-GB" dirty="0" smtClean="0">
+                <a:hlinkClick r:id="rId3"/>
+              </a:rPr>
+              <a:t>https://github.com/sergio-alves/NitroxAnalyzer</a:t>
+            </a:r>
+            <a:endParaRPr lang="en-GB" dirty="0" smtClean="0"/>
+          </a:p>
+          <a:p>
+            <a:endParaRPr lang="en-GB" dirty="0"/>
+          </a:p>
+        </p:txBody>
+      </p:sp>
+    </p:spTree>
+  </p:cSld>
+  <p:clrMapOvr>
+    <a:masterClrMapping/>
+  </p:clrMapOvr>
+  <p:timing>
+    <p:tnLst>
+      <p:par>
+        <p:cTn id="1" dur="indefinite" restart="never" nodeType="tmRoot"/>
+      </p:par>
+    </p:tnLst>
+  </p:timing>
+</p:sld>
+</file>
+
+<file path=ppt/slides/slide11.xml><?xml version="1.0" encoding="utf-8"?>
+<p:sld xmlns:a="http://schemas.openxmlformats.org/drawingml/2006/main" xmlns:r="http://schemas.openxmlformats.org/officeDocument/2006/relationships" xmlns:p="http://schemas.openxmlformats.org/presentationml/2006/main">
+  <p:cSld>
+    <p:spTree>
+      <p:nvGrpSpPr>
+        <p:cNvPr id="1" name=""/>
+        <p:cNvGrpSpPr/>
+        <p:nvPr/>
+      </p:nvGrpSpPr>
+      <p:grpSpPr>
+        <a:xfrm>
+          <a:off x="0" y="0"/>
+          <a:ext cx="0" cy="0"/>
+          <a:chOff x="0" y="0"/>
+          <a:chExt cx="0" cy="0"/>
+        </a:xfrm>
+      </p:grpSpPr>
+      <p:sp>
+        <p:nvSpPr>
+          <p:cNvPr id="2" name="Titre 1"/>
+          <p:cNvSpPr>
+            <a:spLocks noGrp="1"/>
+          </p:cNvSpPr>
+          <p:nvPr>
+            <p:ph type="title"/>
+          </p:nvPr>
+        </p:nvSpPr>
+        <p:spPr/>
+        <p:txBody>
+          <a:bodyPr/>
+          <a:lstStyle/>
+          <a:p>
+            <a:r>
+              <a:rPr lang="fr-CH" dirty="0" smtClean="0"/>
+              <a:t>Live </a:t>
+            </a:r>
+            <a:r>
+              <a:rPr lang="fr-CH" dirty="0" err="1" smtClean="0"/>
+              <a:t>demo</a:t>
+            </a:r>
+            <a:endParaRPr lang="fr-CH" dirty="0"/>
+          </a:p>
+        </p:txBody>
+      </p:sp>
+      <p:sp>
+        <p:nvSpPr>
+          <p:cNvPr id="5" name="Espace réservé du texte 4"/>
+          <p:cNvSpPr>
+            <a:spLocks noGrp="1"/>
+          </p:cNvSpPr>
+          <p:nvPr>
+            <p:ph type="body" idx="1"/>
+          </p:nvPr>
+        </p:nvSpPr>
+        <p:spPr/>
+        <p:txBody>
+          <a:bodyPr/>
+          <a:lstStyle/>
+          <a:p>
+            <a:r>
+              <a:rPr lang="fr-CH" dirty="0" err="1" smtClean="0"/>
+              <a:t>Lets</a:t>
+            </a:r>
+            <a:r>
+              <a:rPr lang="fr-CH" dirty="0" smtClean="0"/>
+              <a:t> </a:t>
+            </a:r>
+            <a:r>
+              <a:rPr lang="fr-CH" dirty="0" err="1" smtClean="0"/>
+              <a:t>see</a:t>
+            </a:r>
+            <a:r>
+              <a:rPr lang="fr-CH" dirty="0" smtClean="0"/>
+              <a:t> how KISS </a:t>
+            </a:r>
+            <a:r>
+              <a:rPr lang="fr-CH" dirty="0" err="1" smtClean="0"/>
+              <a:t>is</a:t>
+            </a:r>
+            <a:r>
+              <a:rPr lang="fr-CH" dirty="0" smtClean="0"/>
+              <a:t> </a:t>
+            </a:r>
+            <a:r>
+              <a:rPr lang="fr-CH" dirty="0" err="1" smtClean="0"/>
+              <a:t>it</a:t>
+            </a:r>
+            <a:r>
+              <a:rPr lang="fr-CH" dirty="0" smtClean="0"/>
+              <a:t> !!!</a:t>
+            </a:r>
+            <a:endParaRPr lang="fr-CH" dirty="0"/>
+          </a:p>
+        </p:txBody>
+      </p:sp>
     </p:spTree>
   </p:cSld>
   <p:clrMapOvr>
@@ -3895,6 +4161,30 @@
           <a:chExt cx="0" cy="0"/>
         </a:xfrm>
       </p:grpSpPr>
+      <p:pic>
+        <p:nvPicPr>
+          <p:cNvPr id="5" name="Image 4" descr="diver.png"/>
+          <p:cNvPicPr>
+            <a:picLocks noChangeAspect="1"/>
+          </p:cNvPicPr>
+          <p:nvPr/>
+        </p:nvPicPr>
+        <p:blipFill>
+          <a:blip r:embed="rId2" cstate="print"/>
+          <a:stretch>
+            <a:fillRect/>
+          </a:stretch>
+        </p:blipFill>
+        <p:spPr>
+          <a:xfrm>
+            <a:off x="4726816" y="5013176"/>
+            <a:ext cx="4417184" cy="1844824"/>
+          </a:xfrm>
+          <a:prstGeom prst="rect">
+            <a:avLst/>
+          </a:prstGeom>
+        </p:spPr>
+      </p:pic>
       <p:sp>
         <p:nvSpPr>
           <p:cNvPr id="2" name="Titre 1"/>
@@ -3911,30 +4201,62 @@
           <a:lstStyle/>
           <a:p>
             <a:r>
-              <a:rPr lang="fr-CH" dirty="0" err="1" smtClean="0"/>
-              <a:t>What</a:t>
-            </a:r>
-            <a:r>
-              <a:rPr lang="fr-CH" dirty="0" smtClean="0"/>
-              <a:t> </a:t>
-            </a:r>
-            <a:r>
-              <a:rPr lang="fr-CH" dirty="0" err="1" smtClean="0"/>
-              <a:t>is</a:t>
-            </a:r>
-            <a:r>
-              <a:rPr lang="fr-CH" dirty="0" smtClean="0"/>
-              <a:t> </a:t>
-            </a:r>
-            <a:r>
-              <a:rPr lang="fr-CH" dirty="0" err="1" smtClean="0"/>
-              <a:t>Nitrox</a:t>
-            </a:r>
-            <a:r>
-              <a:rPr lang="fr-CH" dirty="0" smtClean="0"/>
-              <a:t> Analyzer</a:t>
-            </a:r>
-            <a:endParaRPr lang="fr-CH" dirty="0"/>
+              <a:rPr lang="en-US" dirty="0" smtClean="0"/>
+              <a:t>Inception</a:t>
+            </a:r>
+            <a:endParaRPr lang="en-US" dirty="0"/>
+          </a:p>
+        </p:txBody>
+      </p:sp>
+      <p:sp>
+        <p:nvSpPr>
+          <p:cNvPr id="3" name="Espace réservé du contenu 2"/>
+          <p:cNvSpPr>
+            <a:spLocks noGrp="1"/>
+          </p:cNvSpPr>
+          <p:nvPr>
+            <p:ph sz="quarter" idx="1"/>
+          </p:nvPr>
+        </p:nvSpPr>
+        <p:spPr/>
+        <p:txBody>
+          <a:bodyPr>
+            <a:normAutofit/>
+          </a:bodyPr>
+          <a:lstStyle/>
+          <a:p>
+            <a:r>
+              <a:rPr lang="en-US" dirty="0" smtClean="0"/>
+              <a:t>As a TEC scuba diver I often breath hyperoxic gases while decompressing (it accelerates decompression). </a:t>
+            </a:r>
+          </a:p>
+          <a:p>
+            <a:r>
+              <a:rPr lang="en-US" dirty="0" smtClean="0"/>
+              <a:t>To avoid entering </a:t>
+            </a:r>
+            <a:r>
+              <a:rPr lang="en-US" dirty="0" smtClean="0"/>
+              <a:t>into </a:t>
+            </a:r>
+            <a:r>
+              <a:rPr lang="en-US" dirty="0" smtClean="0"/>
+              <a:t>convulsions… and die… because of a too high</a:t>
+            </a:r>
+            <a:r>
+              <a:rPr lang="en-US" dirty="0" smtClean="0"/>
+              <a:t> ppO2</a:t>
+            </a:r>
+            <a:r>
+              <a:rPr lang="en-US" dirty="0" smtClean="0"/>
+              <a:t>, it’s important to know the precise O2 % of the gas mix and then calc the MOD (maximum operating  depth) =&gt; never breath it below MOD</a:t>
+            </a:r>
+          </a:p>
+          <a:p>
+            <a:r>
+              <a:rPr lang="en-US" dirty="0" smtClean="0"/>
+              <a:t>Commercial analyzers are simple boxes with an O2 cell and a kind of Multimeter (really simple devices) but very expensive &gt; 200$</a:t>
+            </a:r>
           </a:p>
         </p:txBody>
       </p:sp>
@@ -3943,6 +4265,13 @@
   <p:clrMapOvr>
     <a:masterClrMapping/>
   </p:clrMapOvr>
+  <p:timing>
+    <p:tnLst>
+      <p:par>
+        <p:cTn id="1" dur="indefinite" restart="never" nodeType="tmRoot"/>
+      </p:par>
+    </p:tnLst>
+  </p:timing>
 </p:sld>
 </file>
 
@@ -3980,20 +4309,413 @@
           <a:p>
             <a:r>
               <a:rPr lang="fr-CH" dirty="0" smtClean="0"/>
-              <a:t>More about </a:t>
+              <a:t>Project Goals</a:t>
+            </a:r>
+            <a:endParaRPr lang="fr-CH" dirty="0"/>
+          </a:p>
+        </p:txBody>
+      </p:sp>
+      <p:sp>
+        <p:nvSpPr>
+          <p:cNvPr id="3" name="Espace réservé du contenu 2"/>
+          <p:cNvSpPr>
+            <a:spLocks noGrp="1"/>
+          </p:cNvSpPr>
+          <p:nvPr>
+            <p:ph sz="quarter" idx="1"/>
+          </p:nvPr>
+        </p:nvSpPr>
+        <p:spPr/>
+        <p:txBody>
+          <a:bodyPr/>
+          <a:lstStyle/>
+          <a:p>
+            <a:r>
+              <a:rPr lang="en-US" dirty="0" smtClean="0"/>
+              <a:t>Build a reliable DIY device</a:t>
+            </a:r>
+          </a:p>
+          <a:p>
+            <a:pPr lvl="1"/>
+            <a:r>
+              <a:rPr lang="en-US" dirty="0" smtClean="0"/>
+              <a:t>Precision per bit ~300 </a:t>
+            </a:r>
+            <a:r>
+              <a:rPr lang="en-US" dirty="0" err="1" smtClean="0"/>
+              <a:t>nV</a:t>
+            </a:r>
+            <a:endParaRPr lang="en-US" dirty="0" smtClean="0"/>
+          </a:p>
+          <a:p>
+            <a:pPr lvl="1"/>
+            <a:r>
+              <a:rPr lang="en-US" dirty="0" smtClean="0"/>
+              <a:t>Price &lt; 100 CHF</a:t>
+            </a:r>
+          </a:p>
+          <a:p>
+            <a:pPr lvl="1"/>
+            <a:r>
+              <a:rPr lang="en-US" dirty="0" smtClean="0"/>
+              <a:t>Open source</a:t>
+            </a:r>
+          </a:p>
+          <a:p>
+            <a:r>
+              <a:rPr lang="en-US" dirty="0" smtClean="0"/>
+              <a:t>Demonstrate the capacity to </a:t>
+            </a:r>
+          </a:p>
+          <a:p>
+            <a:pPr lvl="1"/>
+            <a:r>
+              <a:rPr lang="en-US" dirty="0" smtClean="0"/>
+              <a:t>lead a project from an idea to a finite product</a:t>
+            </a:r>
+          </a:p>
+          <a:p>
+            <a:pPr lvl="1"/>
+            <a:r>
+              <a:rPr lang="en-US" dirty="0" smtClean="0"/>
+              <a:t>develop C++ firmware</a:t>
+            </a:r>
+          </a:p>
+          <a:p>
+            <a:pPr lvl="1"/>
+            <a:r>
+              <a:rPr lang="en-US" dirty="0" smtClean="0"/>
+              <a:t>develop UI for android  </a:t>
+            </a:r>
+          </a:p>
+          <a:p>
+            <a:pPr lvl="1"/>
+            <a:r>
+              <a:rPr lang="en-US" dirty="0" smtClean="0"/>
+              <a:t>use a Bluetooth connection</a:t>
+            </a:r>
+          </a:p>
+          <a:p>
+            <a:pPr lvl="1"/>
+            <a:r>
+              <a:rPr lang="en-US" dirty="0" smtClean="0"/>
+              <a:t>model/design and print a complex </a:t>
+            </a:r>
+            <a:br>
+              <a:rPr lang="en-US" dirty="0" smtClean="0"/>
+            </a:br>
+            <a:r>
+              <a:rPr lang="en-US" dirty="0" smtClean="0"/>
+              <a:t>container (box)</a:t>
+            </a:r>
+          </a:p>
+          <a:p>
+            <a:endParaRPr lang="en-US" dirty="0" smtClean="0"/>
+          </a:p>
+        </p:txBody>
+      </p:sp>
+      <p:pic>
+        <p:nvPicPr>
+          <p:cNvPr id="6" name="Image 5" descr="Goals.png"/>
+          <p:cNvPicPr>
+            <a:picLocks noChangeAspect="1"/>
+          </p:cNvPicPr>
+          <p:nvPr/>
+        </p:nvPicPr>
+        <p:blipFill>
+          <a:blip r:embed="rId2" cstate="print"/>
+          <a:stretch>
+            <a:fillRect/>
+          </a:stretch>
+        </p:blipFill>
+        <p:spPr>
+          <a:xfrm>
+            <a:off x="5220706" y="4245025"/>
+            <a:ext cx="3923294" cy="2612975"/>
+          </a:xfrm>
+          <a:prstGeom prst="rect">
+            <a:avLst/>
+          </a:prstGeom>
+        </p:spPr>
+      </p:pic>
+    </p:spTree>
+  </p:cSld>
+  <p:clrMapOvr>
+    <a:masterClrMapping/>
+  </p:clrMapOvr>
+  <p:timing>
+    <p:tnLst>
+      <p:par>
+        <p:cTn id="1" dur="indefinite" restart="never" nodeType="tmRoot"/>
+      </p:par>
+    </p:tnLst>
+  </p:timing>
+</p:sld>
+</file>
+
+<file path=ppt/slides/slide4.xml><?xml version="1.0" encoding="utf-8"?>
+<p:sld xmlns:a="http://schemas.openxmlformats.org/drawingml/2006/main" xmlns:r="http://schemas.openxmlformats.org/officeDocument/2006/relationships" xmlns:p="http://schemas.openxmlformats.org/presentationml/2006/main">
+  <p:cSld>
+    <p:spTree>
+      <p:nvGrpSpPr>
+        <p:cNvPr id="1" name=""/>
+        <p:cNvGrpSpPr/>
+        <p:nvPr/>
+      </p:nvGrpSpPr>
+      <p:grpSpPr>
+        <a:xfrm>
+          <a:off x="0" y="0"/>
+          <a:ext cx="0" cy="0"/>
+          <a:chOff x="0" y="0"/>
+          <a:chExt cx="0" cy="0"/>
+        </a:xfrm>
+      </p:grpSpPr>
+      <p:sp>
+        <p:nvSpPr>
+          <p:cNvPr id="2" name="Titre 1"/>
+          <p:cNvSpPr>
+            <a:spLocks noGrp="1"/>
+          </p:cNvSpPr>
+          <p:nvPr>
+            <p:ph type="title"/>
+          </p:nvPr>
+        </p:nvSpPr>
+        <p:spPr/>
+        <p:txBody>
+          <a:bodyPr/>
+          <a:lstStyle/>
+          <a:p>
+            <a:r>
+              <a:rPr lang="en-US" dirty="0" smtClean="0"/>
+              <a:t>	     How should it work ?</a:t>
+            </a:r>
+            <a:endParaRPr lang="en-US" dirty="0"/>
+          </a:p>
+        </p:txBody>
+      </p:sp>
+      <p:sp>
+        <p:nvSpPr>
+          <p:cNvPr id="3" name="Espace réservé du contenu 2"/>
+          <p:cNvSpPr>
+            <a:spLocks noGrp="1"/>
+          </p:cNvSpPr>
+          <p:nvPr>
+            <p:ph sz="quarter" idx="1"/>
+          </p:nvPr>
+        </p:nvSpPr>
+        <p:spPr/>
+        <p:txBody>
+          <a:bodyPr/>
+          <a:lstStyle/>
+          <a:p>
+            <a:r>
+              <a:rPr lang="en-US" dirty="0" smtClean="0"/>
+              <a:t>Switch Analyzer on</a:t>
+            </a:r>
+          </a:p>
+          <a:p>
+            <a:r>
+              <a:rPr lang="en-US" dirty="0" smtClean="0"/>
+              <a:t>Launch Android application</a:t>
+            </a:r>
+          </a:p>
+          <a:p>
+            <a:pPr lvl="1"/>
+            <a:r>
+              <a:rPr lang="en-US" dirty="0" smtClean="0"/>
+              <a:t>If not in auto connect mode click the connection button</a:t>
+            </a:r>
+          </a:p>
+          <a:p>
+            <a:r>
+              <a:rPr lang="en-US" dirty="0" smtClean="0"/>
+              <a:t>After successful connection the device will enter in auto calibration mode (to get the O2 cell value for the current </a:t>
+            </a:r>
+            <a:r>
+              <a:rPr lang="en-US" dirty="0" err="1" smtClean="0"/>
+              <a:t>gaz</a:t>
+            </a:r>
+            <a:r>
+              <a:rPr lang="en-US" dirty="0" smtClean="0"/>
+              <a:t> (air ~ 20.9 % O2) </a:t>
+            </a:r>
+          </a:p>
+          <a:p>
+            <a:r>
+              <a:rPr lang="en-US" dirty="0" smtClean="0"/>
+              <a:t>After calibration the controller will read continuously the sensor at a rate of 1S/s (sample/second) and the application will display the O2 value</a:t>
+            </a:r>
+            <a:endParaRPr lang="en-US" dirty="0"/>
+          </a:p>
+        </p:txBody>
+      </p:sp>
+      <p:pic>
+        <p:nvPicPr>
+          <p:cNvPr id="2050" name="Picture 2" descr="C:\Users\Sergio\Desktop\kiss.png"/>
+          <p:cNvPicPr>
+            <a:picLocks noChangeAspect="1" noChangeArrowheads="1"/>
+          </p:cNvPicPr>
+          <p:nvPr/>
+        </p:nvPicPr>
+        <p:blipFill>
+          <a:blip r:embed="rId2" cstate="print"/>
+          <a:srcRect/>
+          <a:stretch>
+            <a:fillRect/>
+          </a:stretch>
+        </p:blipFill>
+        <p:spPr bwMode="auto">
+          <a:xfrm>
+            <a:off x="323528" y="0"/>
+            <a:ext cx="1763688" cy="1161095"/>
+          </a:xfrm>
+          <a:prstGeom prst="rect">
+            <a:avLst/>
+          </a:prstGeom>
+          <a:noFill/>
+        </p:spPr>
+      </p:pic>
+    </p:spTree>
+  </p:cSld>
+  <p:clrMapOvr>
+    <a:masterClrMapping/>
+  </p:clrMapOvr>
+  <p:timing>
+    <p:tnLst>
+      <p:par>
+        <p:cTn id="1" dur="indefinite" restart="never" nodeType="tmRoot"/>
+      </p:par>
+    </p:tnLst>
+  </p:timing>
+</p:sld>
+</file>
+
+<file path=ppt/slides/slide5.xml><?xml version="1.0" encoding="utf-8"?>
+<p:sld xmlns:a="http://schemas.openxmlformats.org/drawingml/2006/main" xmlns:r="http://schemas.openxmlformats.org/officeDocument/2006/relationships" xmlns:p="http://schemas.openxmlformats.org/presentationml/2006/main">
+  <p:cSld>
+    <p:spTree>
+      <p:nvGrpSpPr>
+        <p:cNvPr id="1" name=""/>
+        <p:cNvGrpSpPr/>
+        <p:nvPr/>
+      </p:nvGrpSpPr>
+      <p:grpSpPr>
+        <a:xfrm>
+          <a:off x="0" y="0"/>
+          <a:ext cx="0" cy="0"/>
+          <a:chOff x="0" y="0"/>
+          <a:chExt cx="0" cy="0"/>
+        </a:xfrm>
+      </p:grpSpPr>
+      <p:sp>
+        <p:nvSpPr>
+          <p:cNvPr id="2" name="Titre 1"/>
+          <p:cNvSpPr>
+            <a:spLocks noGrp="1"/>
+          </p:cNvSpPr>
+          <p:nvPr>
+            <p:ph type="title"/>
+          </p:nvPr>
+        </p:nvSpPr>
+        <p:spPr/>
+        <p:txBody>
+          <a:bodyPr/>
+          <a:lstStyle/>
+          <a:p>
+            <a:r>
+              <a:rPr lang="fr-CH" dirty="0" smtClean="0"/>
+              <a:t>How to </a:t>
             </a:r>
             <a:r>
               <a:rPr lang="fr-CH" dirty="0" err="1" smtClean="0"/>
-              <a:t>Nitrox</a:t>
+              <a:t>integrate</a:t>
             </a:r>
             <a:r>
               <a:rPr lang="fr-CH" dirty="0" smtClean="0"/>
-              <a:t> Analyzer</a:t>
+              <a:t>?</a:t>
             </a:r>
             <a:endParaRPr lang="fr-CH" dirty="0"/>
           </a:p>
         </p:txBody>
       </p:sp>
+      <p:pic>
+        <p:nvPicPr>
+          <p:cNvPr id="4" name="Espace réservé du contenu 3" descr="schema.png"/>
+          <p:cNvPicPr>
+            <a:picLocks noGrp="1" noChangeAspect="1"/>
+          </p:cNvPicPr>
+          <p:nvPr>
+            <p:ph sz="quarter" idx="1"/>
+          </p:nvPr>
+        </p:nvPicPr>
+        <p:blipFill>
+          <a:blip r:embed="rId2" cstate="print"/>
+          <a:stretch>
+            <a:fillRect/>
+          </a:stretch>
+        </p:blipFill>
+        <p:spPr>
+          <a:xfrm>
+            <a:off x="1115616" y="1484784"/>
+            <a:ext cx="6984775" cy="4679493"/>
+          </a:xfrm>
+        </p:spPr>
+      </p:pic>
+    </p:spTree>
+  </p:cSld>
+  <p:clrMapOvr>
+    <a:masterClrMapping/>
+  </p:clrMapOvr>
+  <p:timing>
+    <p:tnLst>
+      <p:par>
+        <p:cTn id="1" dur="indefinite" restart="never" nodeType="tmRoot"/>
+      </p:par>
+    </p:tnLst>
+  </p:timing>
+</p:sld>
+</file>
+
+<file path=ppt/slides/slide6.xml><?xml version="1.0" encoding="utf-8"?>
+<p:sld xmlns:a="http://schemas.openxmlformats.org/drawingml/2006/main" xmlns:r="http://schemas.openxmlformats.org/officeDocument/2006/relationships" xmlns:p="http://schemas.openxmlformats.org/presentationml/2006/main">
+  <p:cSld>
+    <p:spTree>
+      <p:nvGrpSpPr>
+        <p:cNvPr id="1" name=""/>
+        <p:cNvGrpSpPr/>
+        <p:nvPr/>
+      </p:nvGrpSpPr>
+      <p:grpSpPr>
+        <a:xfrm>
+          <a:off x="0" y="0"/>
+          <a:ext cx="0" cy="0"/>
+          <a:chOff x="0" y="0"/>
+          <a:chExt cx="0" cy="0"/>
+        </a:xfrm>
+      </p:grpSpPr>
+      <p:sp>
+        <p:nvSpPr>
+          <p:cNvPr id="2" name="Titre 1"/>
+          <p:cNvSpPr>
+            <a:spLocks noGrp="1"/>
+          </p:cNvSpPr>
+          <p:nvPr>
+            <p:ph type="title"/>
+          </p:nvPr>
+        </p:nvSpPr>
+        <p:spPr/>
+        <p:txBody>
+          <a:bodyPr/>
+          <a:lstStyle/>
+          <a:p>
+            <a:r>
+              <a:rPr lang="fr-CH" dirty="0" smtClean="0"/>
+              <a:t>Components</a:t>
+            </a:r>
+            <a:endParaRPr lang="fr-CH" dirty="0"/>
+          </a:p>
+        </p:txBody>
+      </p:sp>
       <p:sp>
         <p:nvSpPr>
           <p:cNvPr id="3" name="Espace réservé du contenu 2"/>
@@ -4006,85 +4728,620 @@
         </p:nvSpPr>
         <p:spPr/>
         <p:txBody>
-          <a:bodyPr/>
+          <a:bodyPr>
+            <a:normAutofit/>
+          </a:bodyPr>
           <a:lstStyle/>
           <a:p>
             <a:r>
               <a:rPr lang="en-GB" dirty="0" smtClean="0"/>
-              <a:t>A portable device for oxygen measurement</a:t>
+              <a:t>Hardware</a:t>
             </a:r>
           </a:p>
           <a:p>
             <a:pPr lvl="1"/>
             <a:r>
               <a:rPr lang="en-GB" dirty="0" smtClean="0"/>
-              <a:t>To measure O2 rate of a breathable gas mix</a:t>
+              <a:t>A 3D printed box</a:t>
             </a:r>
           </a:p>
           <a:p>
             <a:pPr lvl="1"/>
             <a:r>
               <a:rPr lang="en-GB" dirty="0" smtClean="0"/>
-              <a:t>Use Bluetooth low energy for data exchange</a:t>
-            </a:r>
-          </a:p>
-          <a:p>
+              <a:t>An Arduino </a:t>
+            </a:r>
+            <a:r>
+              <a:rPr lang="en-GB" dirty="0" err="1" smtClean="0"/>
+              <a:t>Nano</a:t>
+            </a:r>
             <a:r>
               <a:rPr lang="en-GB" dirty="0" smtClean="0"/>
-              <a:t>An android client application</a:t>
+              <a:t> for device control</a:t>
             </a:r>
           </a:p>
           <a:p>
             <a:pPr lvl="1"/>
             <a:r>
               <a:rPr lang="en-GB" dirty="0" smtClean="0"/>
-              <a:t>Allow quick </a:t>
-            </a:r>
-            <a:r>
-              <a:rPr lang="en-GB" smtClean="0"/>
-              <a:t>UI changes</a:t>
-            </a:r>
+              <a:t>A Bluetooth serial module</a:t>
+            </a:r>
+          </a:p>
+          <a:p>
+            <a:pPr lvl="1"/>
+            <a:r>
+              <a:rPr lang="en-GB" dirty="0" smtClean="0"/>
+              <a:t>A 24 bits ADC for a high signal </a:t>
+            </a:r>
+            <a:br>
+              <a:rPr lang="en-GB" dirty="0" smtClean="0"/>
+            </a:br>
+            <a:r>
+              <a:rPr lang="en-GB" dirty="0" smtClean="0"/>
+              <a:t>measurement accuracy</a:t>
+            </a:r>
+          </a:p>
+          <a:p>
+            <a:pPr lvl="1"/>
+            <a:r>
+              <a:rPr lang="en-GB" dirty="0" smtClean="0"/>
+              <a:t>R17 Medical O2 Oxygen cell sensor</a:t>
+            </a:r>
+          </a:p>
+          <a:p>
+            <a:r>
+              <a:rPr lang="en-GB" dirty="0" smtClean="0"/>
+              <a:t>Software</a:t>
+            </a:r>
+          </a:p>
+          <a:p>
+            <a:pPr lvl="1"/>
+            <a:r>
+              <a:rPr lang="en-US" dirty="0" smtClean="0"/>
+              <a:t>C++ Firmware embedded in Atmega328 </a:t>
+            </a:r>
+          </a:p>
+          <a:p>
+            <a:pPr lvl="2"/>
+            <a:r>
+              <a:rPr lang="en-US" dirty="0" smtClean="0"/>
+              <a:t>16MHz controller with 2 Kb Ram, 32 Kb Rom (limited resources)</a:t>
+            </a:r>
+          </a:p>
+          <a:p>
+            <a:pPr lvl="1"/>
+            <a:r>
+              <a:rPr lang="en-US" dirty="0" smtClean="0"/>
+              <a:t>Java mobile application running on Android OS</a:t>
+            </a:r>
+          </a:p>
+          <a:p>
+            <a:pPr lvl="1"/>
             <a:endParaRPr lang="en-GB" dirty="0" smtClean="0"/>
           </a:p>
-          <a:p>
-            <a:r>
-              <a:rPr lang="en-GB" dirty="0" smtClean="0"/>
-              <a:t>An open source project</a:t>
+        </p:txBody>
+      </p:sp>
+      <p:pic>
+        <p:nvPicPr>
+          <p:cNvPr id="6" name="Image 5" descr="20160121_151821.jpg"/>
+          <p:cNvPicPr>
+            <a:picLocks noChangeAspect="1"/>
+          </p:cNvPicPr>
+          <p:nvPr/>
+        </p:nvPicPr>
+        <p:blipFill>
+          <a:blip r:embed="rId2" cstate="print"/>
+          <a:stretch>
+            <a:fillRect/>
+          </a:stretch>
+        </p:blipFill>
+        <p:spPr>
+          <a:xfrm>
+            <a:off x="6372200" y="1124744"/>
+            <a:ext cx="2284994" cy="3039044"/>
+          </a:xfrm>
+          <a:prstGeom prst="rect">
+            <a:avLst/>
+          </a:prstGeom>
+        </p:spPr>
+      </p:pic>
+    </p:spTree>
+  </p:cSld>
+  <p:clrMapOvr>
+    <a:masterClrMapping/>
+  </p:clrMapOvr>
+  <p:timing>
+    <p:tnLst>
+      <p:par>
+        <p:cTn id="1" dur="indefinite" restart="never" nodeType="tmRoot"/>
+      </p:par>
+    </p:tnLst>
+  </p:timing>
+</p:sld>
+</file>
+
+<file path=ppt/slides/slide7.xml><?xml version="1.0" encoding="utf-8"?>
+<p:sld xmlns:a="http://schemas.openxmlformats.org/drawingml/2006/main" xmlns:r="http://schemas.openxmlformats.org/officeDocument/2006/relationships" xmlns:p="http://schemas.openxmlformats.org/presentationml/2006/main">
+  <p:cSld>
+    <p:spTree>
+      <p:nvGrpSpPr>
+        <p:cNvPr id="1" name=""/>
+        <p:cNvGrpSpPr/>
+        <p:nvPr/>
+      </p:nvGrpSpPr>
+      <p:grpSpPr>
+        <a:xfrm>
+          <a:off x="0" y="0"/>
+          <a:ext cx="0" cy="0"/>
+          <a:chOff x="0" y="0"/>
+          <a:chExt cx="0" cy="0"/>
+        </a:xfrm>
+      </p:grpSpPr>
+      <p:sp>
+        <p:nvSpPr>
+          <p:cNvPr id="2" name="Titre 1"/>
+          <p:cNvSpPr>
+            <a:spLocks noGrp="1"/>
+          </p:cNvSpPr>
+          <p:nvPr>
+            <p:ph type="title"/>
+          </p:nvPr>
+        </p:nvSpPr>
+        <p:spPr/>
+        <p:txBody>
+          <a:bodyPr/>
+          <a:lstStyle/>
+          <a:p>
+            <a:r>
+              <a:rPr lang="fr-CH" dirty="0" smtClean="0"/>
+              <a:t>Challenges</a:t>
+            </a:r>
+            <a:endParaRPr lang="fr-CH" dirty="0"/>
+          </a:p>
+        </p:txBody>
+      </p:sp>
+      <p:sp>
+        <p:nvSpPr>
+          <p:cNvPr id="3" name="Espace réservé du contenu 2"/>
+          <p:cNvSpPr>
+            <a:spLocks noGrp="1"/>
+          </p:cNvSpPr>
+          <p:nvPr>
+            <p:ph sz="quarter" idx="1"/>
+          </p:nvPr>
+        </p:nvSpPr>
+        <p:spPr/>
+        <p:txBody>
+          <a:bodyPr>
+            <a:normAutofit/>
+          </a:bodyPr>
+          <a:lstStyle/>
+          <a:p>
+            <a:r>
+              <a:rPr lang="en-US" dirty="0" smtClean="0"/>
+              <a:t>Software</a:t>
             </a:r>
           </a:p>
           <a:p>
             <a:pPr lvl="1"/>
             <a:r>
-              <a:rPr lang="en-GB" dirty="0" smtClean="0"/>
-              <a:t>Android app sources</a:t>
+              <a:rPr lang="en-US" dirty="0" smtClean="0"/>
+              <a:t>Create an easily upgradable protocol handler in both firmware and mobile application and make them communicate</a:t>
             </a:r>
           </a:p>
           <a:p>
             <a:pPr lvl="1"/>
             <a:r>
-              <a:rPr lang="en-GB" dirty="0" smtClean="0"/>
-              <a:t>Atmel C++ firmware sources</a:t>
+              <a:rPr lang="en-US" dirty="0" smtClean="0"/>
+              <a:t>Create a driver to “drive” the ADS1210 chip</a:t>
+            </a:r>
+          </a:p>
+          <a:p>
+            <a:r>
+              <a:rPr lang="en-US" dirty="0" smtClean="0"/>
+              <a:t>Hardware</a:t>
             </a:r>
           </a:p>
           <a:p>
             <a:pPr lvl="1"/>
             <a:r>
-              <a:rPr lang="en-GB" dirty="0" smtClean="0"/>
-              <a:t>Electronic board sources</a:t>
+              <a:rPr lang="en-US" dirty="0" smtClean="0"/>
+              <a:t>Develop the smallest box able to hold a R17 cell, a </a:t>
+            </a:r>
+            <a:r>
+              <a:rPr lang="en-US" dirty="0" err="1" smtClean="0"/>
+              <a:t>Nano</a:t>
+            </a:r>
+            <a:r>
+              <a:rPr lang="en-US" dirty="0" smtClean="0"/>
+              <a:t> board, a 9V battery and a Bluetooth module</a:t>
+            </a:r>
+          </a:p>
+          <a:p>
+            <a:r>
+              <a:rPr lang="en-US" dirty="0" smtClean="0"/>
+              <a:t>Create something precise enough to be confident using it and </a:t>
+            </a:r>
+            <a:r>
+              <a:rPr lang="en-US" dirty="0" smtClean="0"/>
+              <a:t>that runs straight forward</a:t>
+            </a:r>
+            <a:endParaRPr lang="en-US" dirty="0" smtClean="0"/>
+          </a:p>
+          <a:p>
+            <a:r>
+              <a:rPr lang="en-US" dirty="0" smtClean="0"/>
+              <a:t>Develop a device without any kind of physical user interaction (buttons,  screen, audio)</a:t>
+            </a:r>
+          </a:p>
+        </p:txBody>
+      </p:sp>
+      <p:pic>
+        <p:nvPicPr>
+          <p:cNvPr id="4" name="Image 3" descr="challenge.png"/>
+          <p:cNvPicPr>
+            <a:picLocks noChangeAspect="1"/>
+          </p:cNvPicPr>
+          <p:nvPr/>
+        </p:nvPicPr>
+        <p:blipFill>
+          <a:blip r:embed="rId2" cstate="print"/>
+          <a:stretch>
+            <a:fillRect/>
+          </a:stretch>
+        </p:blipFill>
+        <p:spPr>
+          <a:xfrm>
+            <a:off x="6315231" y="4797151"/>
+            <a:ext cx="2828769" cy="2060849"/>
+          </a:xfrm>
+          <a:prstGeom prst="rect">
+            <a:avLst/>
+          </a:prstGeom>
+        </p:spPr>
+      </p:pic>
+    </p:spTree>
+  </p:cSld>
+  <p:clrMapOvr>
+    <a:masterClrMapping/>
+  </p:clrMapOvr>
+  <p:timing>
+    <p:tnLst>
+      <p:par>
+        <p:cTn id="1" dur="indefinite" restart="never" nodeType="tmRoot"/>
+      </p:par>
+    </p:tnLst>
+  </p:timing>
+</p:sld>
+</file>
+
+<file path=ppt/slides/slide8.xml><?xml version="1.0" encoding="utf-8"?>
+<p:sld xmlns:a="http://schemas.openxmlformats.org/drawingml/2006/main" xmlns:r="http://schemas.openxmlformats.org/officeDocument/2006/relationships" xmlns:p="http://schemas.openxmlformats.org/presentationml/2006/main">
+  <p:cSld>
+    <p:spTree>
+      <p:nvGrpSpPr>
+        <p:cNvPr id="1" name=""/>
+        <p:cNvGrpSpPr/>
+        <p:nvPr/>
+      </p:nvGrpSpPr>
+      <p:grpSpPr>
+        <a:xfrm>
+          <a:off x="0" y="0"/>
+          <a:ext cx="0" cy="0"/>
+          <a:chOff x="0" y="0"/>
+          <a:chExt cx="0" cy="0"/>
+        </a:xfrm>
+      </p:grpSpPr>
+      <p:sp>
+        <p:nvSpPr>
+          <p:cNvPr id="2" name="Titre 1"/>
+          <p:cNvSpPr>
+            <a:spLocks noGrp="1"/>
+          </p:cNvSpPr>
+          <p:nvPr>
+            <p:ph type="title"/>
+          </p:nvPr>
+        </p:nvSpPr>
+        <p:spPr/>
+        <p:txBody>
+          <a:bodyPr/>
+          <a:lstStyle/>
+          <a:p>
+            <a:r>
+              <a:rPr lang="en-US" dirty="0" smtClean="0"/>
+              <a:t>How to improve?</a:t>
+            </a:r>
+            <a:endParaRPr lang="en-US" dirty="0"/>
+          </a:p>
+        </p:txBody>
+      </p:sp>
+      <p:sp>
+        <p:nvSpPr>
+          <p:cNvPr id="8" name="Espace réservé du contenu 7"/>
+          <p:cNvSpPr>
+            <a:spLocks noGrp="1"/>
+          </p:cNvSpPr>
+          <p:nvPr>
+            <p:ph sz="quarter" idx="1"/>
+          </p:nvPr>
+        </p:nvSpPr>
+        <p:spPr/>
+        <p:txBody>
+          <a:bodyPr>
+            <a:normAutofit lnSpcReduction="10000"/>
+          </a:bodyPr>
+          <a:lstStyle/>
+          <a:p>
+            <a:r>
+              <a:rPr lang="en-US" dirty="0" smtClean="0"/>
+              <a:t>Features</a:t>
             </a:r>
           </a:p>
           <a:p>
             <a:pPr lvl="1"/>
             <a:r>
-              <a:rPr lang="en-GB" dirty="0" smtClean="0"/>
-              <a:t>3D Cad files for box printing</a:t>
-            </a:r>
-          </a:p>
-          <a:p>
-            <a:endParaRPr lang="en-GB" dirty="0"/>
-          </a:p>
-        </p:txBody>
-      </p:sp>
+              <a:rPr lang="en-US" dirty="0" smtClean="0"/>
+              <a:t>connection </a:t>
+            </a:r>
+            <a:r>
+              <a:rPr lang="en-US" dirty="0" smtClean="0"/>
+              <a:t>to a </a:t>
+            </a:r>
+            <a:r>
+              <a:rPr lang="en-US" dirty="0" smtClean="0"/>
+              <a:t>Bluetooth </a:t>
+            </a:r>
+            <a:r>
+              <a:rPr lang="en-US" dirty="0" smtClean="0"/>
+              <a:t>analyzer</a:t>
+            </a:r>
+          </a:p>
+          <a:p>
+            <a:pPr lvl="1"/>
+            <a:r>
+              <a:rPr lang="en-US" dirty="0" smtClean="0"/>
+              <a:t>auto calibration</a:t>
+            </a:r>
+          </a:p>
+          <a:p>
+            <a:pPr lvl="1"/>
+            <a:r>
+              <a:rPr lang="en-US" dirty="0" smtClean="0"/>
+              <a:t>continuous o2 measurement</a:t>
+            </a:r>
+          </a:p>
+          <a:p>
+            <a:pPr lvl="1"/>
+            <a:r>
+              <a:rPr lang="en-US" dirty="0" smtClean="0"/>
+              <a:t>displaying o2 cell dates (install, validity)</a:t>
+            </a:r>
+          </a:p>
+          <a:p>
+            <a:pPr lvl="1"/>
+            <a:endParaRPr lang="en-US" dirty="0" smtClean="0"/>
+          </a:p>
+          <a:p>
+            <a:pPr lvl="1"/>
+            <a:endParaRPr lang="en-US" dirty="0"/>
+          </a:p>
+        </p:txBody>
+      </p:sp>
+      <p:sp>
+        <p:nvSpPr>
+          <p:cNvPr id="5" name="Espace réservé du texte 4"/>
+          <p:cNvSpPr>
+            <a:spLocks noGrp="1"/>
+          </p:cNvSpPr>
+          <p:nvPr>
+            <p:ph sz="quarter" idx="2"/>
+          </p:nvPr>
+        </p:nvSpPr>
+        <p:spPr/>
+        <p:txBody>
+          <a:bodyPr>
+            <a:normAutofit lnSpcReduction="10000"/>
+          </a:bodyPr>
+          <a:lstStyle/>
+          <a:p>
+            <a:r>
+              <a:rPr lang="en-US" dirty="0" smtClean="0"/>
+              <a:t>Wanted features</a:t>
+            </a:r>
+          </a:p>
+          <a:p>
+            <a:pPr lvl="1"/>
+            <a:r>
+              <a:rPr lang="en-US" dirty="0" smtClean="0"/>
+              <a:t>update </a:t>
+            </a:r>
+            <a:r>
+              <a:rPr lang="en-US" dirty="0" smtClean="0"/>
+              <a:t>install validity dates</a:t>
+            </a:r>
+          </a:p>
+          <a:p>
+            <a:pPr lvl="1"/>
+            <a:r>
+              <a:rPr lang="en-US" dirty="0" smtClean="0"/>
+              <a:t>display progress bar to help to know when a measure is valid</a:t>
+            </a:r>
+          </a:p>
+          <a:p>
+            <a:pPr lvl="1"/>
+            <a:r>
+              <a:rPr lang="en-US" dirty="0" smtClean="0"/>
+              <a:t>keep a track of read values</a:t>
+            </a:r>
+          </a:p>
+          <a:p>
+            <a:pPr lvl="1"/>
+            <a:r>
+              <a:rPr lang="en-US" dirty="0" smtClean="0"/>
+              <a:t>creates </a:t>
+            </a:r>
+            <a:r>
+              <a:rPr lang="en-US" dirty="0" smtClean="0"/>
+              <a:t>a more TEC view with higher precision</a:t>
+            </a:r>
+          </a:p>
+          <a:p>
+            <a:pPr lvl="1"/>
+            <a:r>
+              <a:rPr lang="en-US" dirty="0" smtClean="0"/>
+              <a:t>allow to have 2 </a:t>
+            </a:r>
+            <a:r>
+              <a:rPr lang="en-US" dirty="0" smtClean="0"/>
+              <a:t>O2 cells </a:t>
+            </a:r>
+            <a:r>
+              <a:rPr lang="en-US" dirty="0" smtClean="0"/>
+              <a:t>to have a duplicate measure. This will render the device very safe and avoid wrong measures</a:t>
+            </a:r>
+          </a:p>
+          <a:p>
+            <a:endParaRPr lang="en-US" dirty="0"/>
+          </a:p>
+        </p:txBody>
+      </p:sp>
+      <p:pic>
+        <p:nvPicPr>
+          <p:cNvPr id="9" name="Image 8" descr="time-to-improve.png"/>
+          <p:cNvPicPr>
+            <a:picLocks noChangeAspect="1"/>
+          </p:cNvPicPr>
+          <p:nvPr/>
+        </p:nvPicPr>
+        <p:blipFill>
+          <a:blip r:embed="rId2" cstate="print"/>
+          <a:stretch>
+            <a:fillRect/>
+          </a:stretch>
+        </p:blipFill>
+        <p:spPr>
+          <a:xfrm>
+            <a:off x="0" y="4581128"/>
+            <a:ext cx="2655904" cy="1772816"/>
+          </a:xfrm>
+          <a:prstGeom prst="rect">
+            <a:avLst/>
+          </a:prstGeom>
+        </p:spPr>
+      </p:pic>
+    </p:spTree>
+  </p:cSld>
+  <p:clrMapOvr>
+    <a:masterClrMapping/>
+  </p:clrMapOvr>
+  <p:timing>
+    <p:tnLst>
+      <p:par>
+        <p:cTn id="1" dur="indefinite" restart="never" nodeType="tmRoot"/>
+      </p:par>
+    </p:tnLst>
+  </p:timing>
+</p:sld>
+</file>
+
+<file path=ppt/slides/slide9.xml><?xml version="1.0" encoding="utf-8"?>
+<p:sld xmlns:a="http://schemas.openxmlformats.org/drawingml/2006/main" xmlns:r="http://schemas.openxmlformats.org/officeDocument/2006/relationships" xmlns:p="http://schemas.openxmlformats.org/presentationml/2006/main">
+  <p:cSld>
+    <p:spTree>
+      <p:nvGrpSpPr>
+        <p:cNvPr id="1" name=""/>
+        <p:cNvGrpSpPr/>
+        <p:nvPr/>
+      </p:nvGrpSpPr>
+      <p:grpSpPr>
+        <a:xfrm>
+          <a:off x="0" y="0"/>
+          <a:ext cx="0" cy="0"/>
+          <a:chOff x="0" y="0"/>
+          <a:chExt cx="0" cy="0"/>
+        </a:xfrm>
+      </p:grpSpPr>
+      <p:sp>
+        <p:nvSpPr>
+          <p:cNvPr id="2" name="Titre 1"/>
+          <p:cNvSpPr>
+            <a:spLocks noGrp="1"/>
+          </p:cNvSpPr>
+          <p:nvPr>
+            <p:ph type="title"/>
+          </p:nvPr>
+        </p:nvSpPr>
+        <p:spPr/>
+        <p:txBody>
+          <a:bodyPr/>
+          <a:lstStyle/>
+          <a:p>
+            <a:r>
+              <a:rPr lang="fr-CH" dirty="0" err="1" smtClean="0"/>
+              <a:t>Some</a:t>
+            </a:r>
+            <a:r>
+              <a:rPr lang="fr-CH" dirty="0" smtClean="0"/>
+              <a:t> time </a:t>
+            </a:r>
+            <a:r>
+              <a:rPr lang="fr-CH" dirty="0" err="1" smtClean="0"/>
+              <a:t>later</a:t>
+            </a:r>
+            <a:r>
+              <a:rPr lang="fr-CH" dirty="0" smtClean="0"/>
+              <a:t>…</a:t>
+            </a:r>
+            <a:endParaRPr lang="fr-CH" dirty="0"/>
+          </a:p>
+        </p:txBody>
+      </p:sp>
+      <p:pic>
+        <p:nvPicPr>
+          <p:cNvPr id="5" name="Espace réservé du contenu 4" descr="20160121_203550.jpg"/>
+          <p:cNvPicPr>
+            <a:picLocks noGrp="1" noChangeAspect="1"/>
+          </p:cNvPicPr>
+          <p:nvPr>
+            <p:ph sz="quarter" idx="1"/>
+          </p:nvPr>
+        </p:nvPicPr>
+        <p:blipFill>
+          <a:blip r:embed="rId2" cstate="print"/>
+          <a:stretch>
+            <a:fillRect/>
+          </a:stretch>
+        </p:blipFill>
+        <p:spPr>
+          <a:xfrm>
+            <a:off x="977201" y="1219200"/>
+            <a:ext cx="3001772" cy="4937125"/>
+          </a:xfrm>
+        </p:spPr>
+      </p:pic>
+      <p:pic>
+        <p:nvPicPr>
+          <p:cNvPr id="6" name="Espace réservé du contenu 5" descr="android-app.png"/>
+          <p:cNvPicPr>
+            <a:picLocks noGrp="1" noChangeAspect="1"/>
+          </p:cNvPicPr>
+          <p:nvPr>
+            <p:ph sz="quarter" idx="2"/>
+          </p:nvPr>
+        </p:nvPicPr>
+        <p:blipFill>
+          <a:blip r:embed="rId3" cstate="print"/>
+          <a:stretch>
+            <a:fillRect/>
+          </a:stretch>
+        </p:blipFill>
+        <p:spPr>
+          <a:xfrm>
+            <a:off x="5264646" y="1216025"/>
+            <a:ext cx="2777133" cy="4937125"/>
+          </a:xfrm>
+        </p:spPr>
+      </p:pic>
     </p:spTree>
   </p:cSld>
   <p:clrMapOvr>
